--- a/create-a-project-from-cost-opt-20260216154255/artifacts/kickoff-deck.pptx
+++ b/create-a-project-from-cost-opt-20260216154255/artifacts/kickoff-deck.pptx
@@ -979,7 +979,7 @@
 </file>
 
 <file path=ppt/slideLayouts/slideLayout1.xml><?xml version="1.0" encoding="utf-8"?>
-<p:sldLayout xmlns:a="http://schemas.openxmlformats.org/drawingml/2006/main" xmlns:r="http://schemas.openxmlformats.org/officeDocument/2006/relationships" xmlns:p="http://schemas.openxmlformats.org/presentationml/2006/main" userDrawn="1">
+<p:sldLayout xmlns:a16="http://schemas.microsoft.com/office/drawing/2014/main" xmlns:a14="http://schemas.microsoft.com/office/drawing/2010/main" xmlns:p14="http://schemas.microsoft.com/office/powerpoint/2010/main" xmlns:a="http://schemas.openxmlformats.org/drawingml/2006/main" xmlns:r="http://schemas.openxmlformats.org/officeDocument/2006/relationships" xmlns:p="http://schemas.openxmlformats.org/presentationml/2006/main" userDrawn="1">
   <p:cSld name="Intro Slide">
     <p:spTree>
       <p:nvGrpSpPr>
@@ -1417,7 +1417,7 @@
 </file>
 
 <file path=ppt/slideLayouts/slideLayout2.xml><?xml version="1.0" encoding="utf-8"?>
-<p:sldLayout xmlns:a="http://schemas.openxmlformats.org/drawingml/2006/main" xmlns:r="http://schemas.openxmlformats.org/officeDocument/2006/relationships" xmlns:p="http://schemas.openxmlformats.org/presentationml/2006/main" userDrawn="1">
+<p:sldLayout xmlns:a16="http://schemas.microsoft.com/office/drawing/2014/main" xmlns:a14="http://schemas.microsoft.com/office/drawing/2010/main" xmlns:p14="http://schemas.microsoft.com/office/powerpoint/2010/main" xmlns:a="http://schemas.openxmlformats.org/drawingml/2006/main" xmlns:r="http://schemas.openxmlformats.org/officeDocument/2006/relationships" xmlns:p="http://schemas.openxmlformats.org/presentationml/2006/main" userDrawn="1">
   <p:cSld name="Content Slide_with Eyebrow">
     <p:spTree>
       <p:nvGrpSpPr>
@@ -2651,7 +2651,7 @@
 </file>
 
 <file path=ppt/slideLayouts/slideLayout3.xml><?xml version="1.0" encoding="utf-8"?>
-<p:sldLayout xmlns:a="http://schemas.openxmlformats.org/drawingml/2006/main" xmlns:r="http://schemas.openxmlformats.org/officeDocument/2006/relationships" xmlns:p="http://schemas.openxmlformats.org/presentationml/2006/main" preserve="1" userDrawn="1">
+<p:sldLayout xmlns:a16="http://schemas.microsoft.com/office/drawing/2014/main" xmlns:a14="http://schemas.microsoft.com/office/drawing/2010/main" xmlns:p14="http://schemas.microsoft.com/office/powerpoint/2010/main" xmlns:a="http://schemas.openxmlformats.org/drawingml/2006/main" xmlns:r="http://schemas.openxmlformats.org/officeDocument/2006/relationships" xmlns:p="http://schemas.openxmlformats.org/presentationml/2006/main" preserve="1" userDrawn="1">
   <p:cSld name="Tertiary Section Intro">
     <p:spTree>
       <p:nvGrpSpPr>
@@ -3045,7 +3045,7 @@
 </file>
 
 <file path=ppt/slideLayouts/slideLayout4.xml><?xml version="1.0" encoding="utf-8"?>
-<p:sldLayout xmlns:a="http://schemas.openxmlformats.org/drawingml/2006/main" xmlns:r="http://schemas.openxmlformats.org/officeDocument/2006/relationships" xmlns:p="http://schemas.openxmlformats.org/presentationml/2006/main" preserve="1" userDrawn="1">
+<p:sldLayout xmlns:a16="http://schemas.microsoft.com/office/drawing/2014/main" xmlns:a14="http://schemas.microsoft.com/office/drawing/2010/main" xmlns:p14="http://schemas.microsoft.com/office/powerpoint/2010/main" xmlns:a="http://schemas.openxmlformats.org/drawingml/2006/main" xmlns:r="http://schemas.openxmlformats.org/officeDocument/2006/relationships" xmlns:p="http://schemas.openxmlformats.org/presentationml/2006/main" preserve="1" userDrawn="1">
   <p:cSld name="1_Custom Layout">
     <p:spTree>
       <p:nvGrpSpPr>
@@ -5024,7 +5024,7 @@
 </file>
 
 <file path=ppt/slideLayouts/slideLayout5.xml><?xml version="1.0" encoding="utf-8"?>
-<p:sldLayout xmlns:a="http://schemas.openxmlformats.org/drawingml/2006/main" xmlns:r="http://schemas.openxmlformats.org/officeDocument/2006/relationships" xmlns:p="http://schemas.openxmlformats.org/presentationml/2006/main" preserve="1" userDrawn="1">
+<p:sldLayout xmlns:a16="http://schemas.microsoft.com/office/drawing/2014/main" xmlns:a14="http://schemas.microsoft.com/office/drawing/2010/main" xmlns:p14="http://schemas.microsoft.com/office/powerpoint/2010/main" xmlns:a="http://schemas.openxmlformats.org/drawingml/2006/main" xmlns:r="http://schemas.openxmlformats.org/officeDocument/2006/relationships" xmlns:p="http://schemas.openxmlformats.org/presentationml/2006/main" preserve="1" userDrawn="1">
   <p:cSld name="In Picture_Large Scale">
     <p:spTree>
       <p:nvGrpSpPr>
@@ -7158,7 +7158,7 @@
 </file>
 
 <file path=ppt/slideLayouts/slideLayout6.xml><?xml version="1.0" encoding="utf-8"?>
-<p:sldLayout xmlns:a="http://schemas.openxmlformats.org/drawingml/2006/main" xmlns:r="http://schemas.openxmlformats.org/officeDocument/2006/relationships" xmlns:p="http://schemas.openxmlformats.org/presentationml/2006/main" preserve="1" userDrawn="1">
+<p:sldLayout xmlns:a16="http://schemas.microsoft.com/office/drawing/2014/main" xmlns:a14="http://schemas.microsoft.com/office/drawing/2010/main" xmlns:p14="http://schemas.microsoft.com/office/powerpoint/2010/main" xmlns:a="http://schemas.openxmlformats.org/drawingml/2006/main" xmlns:r="http://schemas.openxmlformats.org/officeDocument/2006/relationships" xmlns:p="http://schemas.openxmlformats.org/presentationml/2006/main" preserve="1" userDrawn="1">
   <p:cSld name="Content Slide_No Eyebrow">
     <p:spTree>
       <p:nvGrpSpPr>
@@ -8307,7 +8307,7 @@
 </file>
 
 <file path=ppt/slideLayouts/slideLayout7.xml><?xml version="1.0" encoding="utf-8"?>
-<p:sldLayout xmlns:a="http://schemas.openxmlformats.org/drawingml/2006/main" xmlns:r="http://schemas.openxmlformats.org/officeDocument/2006/relationships" xmlns:p="http://schemas.openxmlformats.org/presentationml/2006/main" preserve="1" userDrawn="1">
+<p:sldLayout xmlns:a16="http://schemas.microsoft.com/office/drawing/2014/main" xmlns:asvg="http://schemas.microsoft.com/office/drawing/2016/SVG/main" xmlns:p14="http://schemas.microsoft.com/office/powerpoint/2010/main" xmlns:a="http://schemas.openxmlformats.org/drawingml/2006/main" xmlns:r="http://schemas.openxmlformats.org/officeDocument/2006/relationships" xmlns:p="http://schemas.openxmlformats.org/presentationml/2006/main" preserve="1" userDrawn="1">
   <p:cSld name="1_Circuitry_Primary Colors">
     <p:spTree>
       <p:nvGrpSpPr>
@@ -8628,7 +8628,7 @@
 </file>
 
 <file path=ppt/slideLayouts/slideLayout8.xml><?xml version="1.0" encoding="utf-8"?>
-<p:sldLayout xmlns:a="http://schemas.openxmlformats.org/drawingml/2006/main" xmlns:r="http://schemas.openxmlformats.org/officeDocument/2006/relationships" xmlns:p="http://schemas.openxmlformats.org/presentationml/2006/main" userDrawn="1">
+<p:sldLayout xmlns:a16="http://schemas.microsoft.com/office/drawing/2014/main" xmlns:a14="http://schemas.microsoft.com/office/drawing/2010/main" xmlns:ahyp="http://schemas.microsoft.com/office/drawing/2018/hyperlinkcolor" xmlns:p14="http://schemas.microsoft.com/office/powerpoint/2010/main" xmlns:a="http://schemas.openxmlformats.org/drawingml/2006/main" xmlns:r="http://schemas.openxmlformats.org/officeDocument/2006/relationships" xmlns:p="http://schemas.openxmlformats.org/presentationml/2006/main" userDrawn="1">
   <p:cSld name="Thank You Slide">
     <p:spTree>
       <p:nvGrpSpPr>
@@ -9213,7 +9213,7 @@
 </file>
 
 <file path=ppt/slideMasters/slideMaster1.xml><?xml version="1.0" encoding="utf-8"?>
-<p:sldMaster xmlns:a="http://schemas.openxmlformats.org/drawingml/2006/main" xmlns:r="http://schemas.openxmlformats.org/officeDocument/2006/relationships" xmlns:p="http://schemas.openxmlformats.org/presentationml/2006/main">
+<p:sldMaster xmlns:a16="http://schemas.microsoft.com/office/drawing/2014/main" xmlns:p14="http://schemas.microsoft.com/office/powerpoint/2010/main" xmlns:p15="http://schemas.microsoft.com/office/powerpoint/2012/main" xmlns:a="http://schemas.openxmlformats.org/drawingml/2006/main" xmlns:r="http://schemas.openxmlformats.org/officeDocument/2006/relationships" xmlns:p="http://schemas.openxmlformats.org/presentationml/2006/main">
   <p:cSld>
     <p:bg>
       <p:bgRef idx="1001">
@@ -9649,7 +9649,7 @@
 </file>
 
 <file path=ppt/slides/slide1.xml><?xml version="1.0" encoding="utf-8"?>
-<p:sld xmlns:a="http://schemas.openxmlformats.org/drawingml/2006/main" xmlns:r="http://schemas.openxmlformats.org/officeDocument/2006/relationships" xmlns:p="http://schemas.openxmlformats.org/presentationml/2006/main">
+<p:sld xmlns:a16="http://schemas.microsoft.com/office/drawing/2014/main" xmlns:a14="http://schemas.microsoft.com/office/drawing/2010/main" xmlns:p14="http://schemas.microsoft.com/office/powerpoint/2010/main" xmlns:a="http://schemas.openxmlformats.org/drawingml/2006/main" xmlns:r="http://schemas.openxmlformats.org/officeDocument/2006/relationships" xmlns:p="http://schemas.openxmlformats.org/presentationml/2006/main">
   <p:cSld>
     <p:spTree>
       <p:nvGrpSpPr>
@@ -9775,7 +9775,7 @@
 </file>
 
 <file path=ppt/slides/slide2.xml><?xml version="1.0" encoding="utf-8"?>
-<p:sld xmlns:a="http://schemas.openxmlformats.org/drawingml/2006/main" xmlns:r="http://schemas.openxmlformats.org/officeDocument/2006/relationships" xmlns:p="http://schemas.openxmlformats.org/presentationml/2006/main">
+<p:sld xmlns:a16="http://schemas.microsoft.com/office/drawing/2014/main" xmlns:a14="http://schemas.microsoft.com/office/drawing/2010/main" xmlns:p14="http://schemas.microsoft.com/office/powerpoint/2010/main" xmlns:a="http://schemas.openxmlformats.org/drawingml/2006/main" xmlns:r="http://schemas.openxmlformats.org/officeDocument/2006/relationships" xmlns:p="http://schemas.openxmlformats.org/presentationml/2006/main">
   <p:cSld>
     <p:spTree>
       <p:nvGrpSpPr>
@@ -10363,7 +10363,7 @@
 </file>
 
 <file path=ppt/slides/slide3.xml><?xml version="1.0" encoding="utf-8"?>
-<p:sld xmlns:a="http://schemas.openxmlformats.org/drawingml/2006/main" xmlns:r="http://schemas.openxmlformats.org/officeDocument/2006/relationships" xmlns:p="http://schemas.openxmlformats.org/presentationml/2006/main">
+<p:sld xmlns:a16="http://schemas.microsoft.com/office/drawing/2014/main" xmlns:a14="http://schemas.microsoft.com/office/drawing/2010/main" xmlns:p14="http://schemas.microsoft.com/office/powerpoint/2010/main" xmlns:a="http://schemas.openxmlformats.org/drawingml/2006/main" xmlns:r="http://schemas.openxmlformats.org/officeDocument/2006/relationships" xmlns:p="http://schemas.openxmlformats.org/presentationml/2006/main">
   <p:cSld>
     <p:spTree>
       <p:nvGrpSpPr>
@@ -10764,7 +10764,7 @@
                 <a:latin typeface="Roboto Medium" panose="02000000000000000000" pitchFamily="2" charset="0"/>
                 <a:ea typeface="Roboto Medium" panose="02000000000000000000" pitchFamily="2" charset="0"/>
               </a:rPr>
-              <a:t>{{CustomerName}}</a:t>
+              <a:t>A. Datum Corporation</a:t>
             </a:r>
           </a:p>
         </p:txBody>
@@ -11285,7 +11285,7 @@
 </file>
 
 <file path=ppt/slides/slide4.xml><?xml version="1.0" encoding="utf-8"?>
-<p:sld xmlns:a="http://schemas.openxmlformats.org/drawingml/2006/main" xmlns:r="http://schemas.openxmlformats.org/officeDocument/2006/relationships" xmlns:p="http://schemas.openxmlformats.org/presentationml/2006/main">
+<p:sld xmlns:a16="http://schemas.microsoft.com/office/drawing/2014/main" xmlns:asvg="http://schemas.microsoft.com/office/drawing/2016/SVG/main" xmlns:p14="http://schemas.microsoft.com/office/powerpoint/2010/main" xmlns:a="http://schemas.openxmlformats.org/drawingml/2006/main" xmlns:r="http://schemas.openxmlformats.org/officeDocument/2006/relationships" xmlns:p="http://schemas.openxmlformats.org/presentationml/2006/main">
   <p:cSld>
     <p:spTree>
       <p:nvGrpSpPr>
@@ -12547,7 +12547,7 @@
 </file>
 
 <file path=ppt/slides/slide5.xml><?xml version="1.0" encoding="utf-8"?>
-<p:sld xmlns:a="http://schemas.openxmlformats.org/drawingml/2006/main" xmlns:r="http://schemas.openxmlformats.org/officeDocument/2006/relationships" xmlns:p="http://schemas.openxmlformats.org/presentationml/2006/main">
+<p:sld xmlns:a16="http://schemas.microsoft.com/office/drawing/2014/main" xmlns:p14="http://schemas.microsoft.com/office/powerpoint/2010/main" xmlns:a="http://schemas.openxmlformats.org/drawingml/2006/main" xmlns:r="http://schemas.openxmlformats.org/officeDocument/2006/relationships" xmlns:p="http://schemas.openxmlformats.org/presentationml/2006/main">
   <p:cSld>
     <p:spTree>
       <p:nvGrpSpPr>
@@ -12677,7 +12677,7 @@
 </file>
 
 <file path=ppt/slides/slide6.xml><?xml version="1.0" encoding="utf-8"?>
-<p:sld xmlns:a="http://schemas.openxmlformats.org/drawingml/2006/main" xmlns:r="http://schemas.openxmlformats.org/officeDocument/2006/relationships" xmlns:p="http://schemas.openxmlformats.org/presentationml/2006/main">
+<p:sld xmlns:a16="http://schemas.microsoft.com/office/drawing/2014/main" xmlns:p14="http://schemas.microsoft.com/office/powerpoint/2010/main" xmlns:a="http://schemas.openxmlformats.org/drawingml/2006/main" xmlns:r="http://schemas.openxmlformats.org/officeDocument/2006/relationships" xmlns:p="http://schemas.openxmlformats.org/presentationml/2006/main">
   <p:cSld>
     <p:spTree>
       <p:nvGrpSpPr>
@@ -12986,7 +12986,7 @@
 </file>
 
 <file path=ppt/slides/slide7.xml><?xml version="1.0" encoding="utf-8"?>
-<p:sld xmlns:a="http://schemas.openxmlformats.org/drawingml/2006/main" xmlns:r="http://schemas.openxmlformats.org/officeDocument/2006/relationships" xmlns:p="http://schemas.openxmlformats.org/presentationml/2006/main">
+<p:sld xmlns:a16="http://schemas.microsoft.com/office/drawing/2014/main" xmlns:p14="http://schemas.microsoft.com/office/powerpoint/2010/main" xmlns:a="http://schemas.openxmlformats.org/drawingml/2006/main" xmlns:r="http://schemas.openxmlformats.org/officeDocument/2006/relationships" xmlns:p="http://schemas.openxmlformats.org/presentationml/2006/main">
   <p:cSld>
     <p:spTree>
       <p:nvGrpSpPr>
@@ -13443,7 +13443,7 @@
 </file>
 
 <file path=ppt/slides/slide8.xml><?xml version="1.0" encoding="utf-8"?>
-<p:sld xmlns:a="http://schemas.openxmlformats.org/drawingml/2006/main" xmlns:r="http://schemas.openxmlformats.org/officeDocument/2006/relationships" xmlns:p="http://schemas.openxmlformats.org/presentationml/2006/main">
+<p:sld xmlns:a16="http://schemas.microsoft.com/office/drawing/2014/main" xmlns:asvg="http://schemas.microsoft.com/office/drawing/2016/SVG/main" xmlns:p14="http://schemas.microsoft.com/office/powerpoint/2010/main" xmlns:a="http://schemas.openxmlformats.org/drawingml/2006/main" xmlns:r="http://schemas.openxmlformats.org/officeDocument/2006/relationships" xmlns:p="http://schemas.openxmlformats.org/presentationml/2006/main">
   <p:cSld>
     <p:spTree>
       <p:nvGrpSpPr>
@@ -14352,7 +14352,7 @@
 </file>
 
 <file path=ppt/slides/slide9.xml><?xml version="1.0" encoding="utf-8"?>
-<p:sld xmlns:a="http://schemas.openxmlformats.org/drawingml/2006/main" xmlns:r="http://schemas.openxmlformats.org/officeDocument/2006/relationships" xmlns:p="http://schemas.openxmlformats.org/presentationml/2006/main">
+<p:sld xmlns:a16="http://schemas.microsoft.com/office/drawing/2014/main" xmlns:p14="http://schemas.microsoft.com/office/powerpoint/2010/main" xmlns:a="http://schemas.openxmlformats.org/drawingml/2006/main" xmlns:r="http://schemas.openxmlformats.org/officeDocument/2006/relationships" xmlns:p="http://schemas.openxmlformats.org/presentationml/2006/main">
   <p:cSld>
     <p:spTree>
       <p:nvGrpSpPr>
